--- a/lab2.pptx
+++ b/lab2.pptx
@@ -13,6 +13,7 @@
     <p:sldId id="263" r:id="rId7"/>
     <p:sldId id="262" r:id="rId8"/>
     <p:sldId id="264" r:id="rId9"/>
+    <p:sldId id="266" r:id="rId10"/>
   </p:sldIdLst>
   <p:sldSz cx="12192000" cy="6858000"/>
   <p:notesSz cx="6858000" cy="9144000"/>
@@ -111,6 +112,11 @@
       </a:defRPr>
     </a:lvl9pPr>
   </p:defaultTextStyle>
+  <p:extLst>
+    <p:ext uri="{EFAFB233-063F-42B5-8137-9DF3F51BA10A}">
+      <p15:sldGuideLst xmlns:p15="http://schemas.microsoft.com/office/powerpoint/2012/main"/>
+    </p:ext>
+  </p:extLst>
 </p:presentation>
 </file>
 
@@ -270,7 +276,7 @@
           <a:p>
             <a:fld id="{02AC24A9-CCB6-4F8D-B8DB-C2F3692CFA5A}" type="datetimeFigureOut">
               <a:rPr lang="en-US" smtClean="0"/>
-              <a:t>1/12/2023</a:t>
+              <a:t>1/13/2023</a:t>
             </a:fld>
             <a:endParaRPr lang="en-US" dirty="0"/>
           </a:p>
@@ -640,7 +646,7 @@
           <a:p>
             <a:fld id="{02AC24A9-CCB6-4F8D-B8DB-C2F3692CFA5A}" type="datetimeFigureOut">
               <a:rPr lang="en-US" smtClean="0"/>
-              <a:t>1/12/2023</a:t>
+              <a:t>1/13/2023</a:t>
             </a:fld>
             <a:endParaRPr lang="en-US"/>
           </a:p>
@@ -849,7 +855,7 @@
           <a:p>
             <a:fld id="{02AC24A9-CCB6-4F8D-B8DB-C2F3692CFA5A}" type="datetimeFigureOut">
               <a:rPr lang="en-US" smtClean="0"/>
-              <a:t>1/12/2023</a:t>
+              <a:t>1/13/2023</a:t>
             </a:fld>
             <a:endParaRPr lang="en-US"/>
           </a:p>
@@ -1319,7 +1325,7 @@
           <a:p>
             <a:fld id="{02AC24A9-CCB6-4F8D-B8DB-C2F3692CFA5A}" type="datetimeFigureOut">
               <a:rPr lang="en-US" smtClean="0"/>
-              <a:t>1/12/2023</a:t>
+              <a:t>1/13/2023</a:t>
             </a:fld>
             <a:endParaRPr lang="en-US"/>
           </a:p>
@@ -1773,7 +1779,7 @@
           <a:p>
             <a:fld id="{02AC24A9-CCB6-4F8D-B8DB-C2F3692CFA5A}" type="datetimeFigureOut">
               <a:rPr lang="en-US" smtClean="0"/>
-              <a:t>1/12/2023</a:t>
+              <a:t>1/13/2023</a:t>
             </a:fld>
             <a:endParaRPr lang="en-US"/>
           </a:p>
@@ -2305,7 +2311,7 @@
           <a:p>
             <a:fld id="{02AC24A9-CCB6-4F8D-B8DB-C2F3692CFA5A}" type="datetimeFigureOut">
               <a:rPr lang="en-US" smtClean="0"/>
-              <a:t>1/12/2023</a:t>
+              <a:t>1/13/2023</a:t>
             </a:fld>
             <a:endParaRPr lang="en-US"/>
           </a:p>
@@ -3004,7 +3010,7 @@
           <a:p>
             <a:fld id="{02AC24A9-CCB6-4F8D-B8DB-C2F3692CFA5A}" type="datetimeFigureOut">
               <a:rPr lang="en-US" smtClean="0"/>
-              <a:t>1/12/2023</a:t>
+              <a:t>1/13/2023</a:t>
             </a:fld>
             <a:endParaRPr lang="en-US"/>
           </a:p>
@@ -3333,7 +3339,7 @@
           <a:p>
             <a:fld id="{02AC24A9-CCB6-4F8D-B8DB-C2F3692CFA5A}" type="datetimeFigureOut">
               <a:rPr lang="en-US" smtClean="0"/>
-              <a:t>1/12/2023</a:t>
+              <a:t>1/13/2023</a:t>
             </a:fld>
             <a:endParaRPr lang="en-US"/>
           </a:p>
@@ -3446,7 +3452,7 @@
           <a:p>
             <a:fld id="{02AC24A9-CCB6-4F8D-B8DB-C2F3692CFA5A}" type="datetimeFigureOut">
               <a:rPr lang="en-US" smtClean="0"/>
-              <a:t>1/12/2023</a:t>
+              <a:t>1/13/2023</a:t>
             </a:fld>
             <a:endParaRPr lang="en-US"/>
           </a:p>
@@ -3941,7 +3947,7 @@
           <a:p>
             <a:fld id="{02AC24A9-CCB6-4F8D-B8DB-C2F3692CFA5A}" type="datetimeFigureOut">
               <a:rPr lang="en-US" smtClean="0"/>
-              <a:t>1/12/2023</a:t>
+              <a:t>1/13/2023</a:t>
             </a:fld>
             <a:endParaRPr lang="en-US" dirty="0"/>
           </a:p>
@@ -4418,7 +4424,7 @@
           <a:p>
             <a:fld id="{02AC24A9-CCB6-4F8D-B8DB-C2F3692CFA5A}" type="datetimeFigureOut">
               <a:rPr lang="en-US" smtClean="0"/>
-              <a:t>1/12/2023</a:t>
+              <a:t>1/13/2023</a:t>
             </a:fld>
             <a:endParaRPr lang="en-US"/>
           </a:p>
@@ -4661,7 +4667,7 @@
           <a:p>
             <a:fld id="{02AC24A9-CCB6-4F8D-B8DB-C2F3692CFA5A}" type="datetimeFigureOut">
               <a:rPr lang="en-US" smtClean="0"/>
-              <a:t>1/12/2023</a:t>
+              <a:t>1/13/2023</a:t>
             </a:fld>
             <a:endParaRPr lang="en-US"/>
           </a:p>
@@ -6283,11 +6289,14 @@
         </p:spPr>
         <p:txBody>
           <a:bodyPr vert="horz" lIns="91440" tIns="45720" rIns="91440" bIns="45720" rtlCol="0">
-            <a:normAutofit fontScale="92500"/>
+            <a:normAutofit fontScale="92500" lnSpcReduction="10000"/>
           </a:bodyPr>
           <a:lstStyle/>
           <a:p>
-            <a:pPr marL="457200"/>
+            <a:pPr marL="685800" indent="-457200">
+              <a:buFont typeface="+mj-lt"/>
+              <a:buAutoNum type="arabicPeriod"/>
+            </a:pPr>
             <a:r>
               <a:rPr lang="en-US" dirty="0" err="1"/>
               <a:t>Поле</a:t>
@@ -6319,7 +6328,10 @@
             <a:endParaRPr lang="en-US" dirty="0"/>
           </a:p>
           <a:p>
-            <a:pPr marL="457200"/>
+            <a:pPr marL="685800" indent="-457200">
+              <a:buFont typeface="+mj-lt"/>
+              <a:buAutoNum type="arabicPeriod"/>
+            </a:pPr>
             <a:r>
               <a:rPr lang="en-US" dirty="0" err="1"/>
               <a:t>Выбор</a:t>
@@ -6338,7 +6350,10 @@
             </a:r>
           </a:p>
           <a:p>
-            <a:pPr marL="457200"/>
+            <a:pPr marL="685800" indent="-457200">
+              <a:buFont typeface="+mj-lt"/>
+              <a:buAutoNum type="arabicPeriod"/>
+            </a:pPr>
             <a:r>
               <a:rPr lang="en-US" dirty="0" err="1"/>
               <a:t>Выбор</a:t>
@@ -6373,7 +6388,10 @@
             </a:r>
           </a:p>
           <a:p>
-            <a:pPr marL="457200"/>
+            <a:pPr marL="685800" indent="-457200">
+              <a:buFont typeface="+mj-lt"/>
+              <a:buAutoNum type="arabicPeriod"/>
+            </a:pPr>
             <a:r>
               <a:rPr lang="en-US" dirty="0" err="1"/>
               <a:t>Поле</a:t>
@@ -6389,7 +6407,10 @@
             <a:endParaRPr lang="en-US" dirty="0"/>
           </a:p>
           <a:p>
-            <a:pPr marL="457200"/>
+            <a:pPr marL="685800" indent="-457200">
+              <a:buFont typeface="+mj-lt"/>
+              <a:buAutoNum type="arabicPeriod"/>
+            </a:pPr>
             <a:r>
               <a:rPr lang="en-US" dirty="0" err="1"/>
               <a:t>Кнопка</a:t>
@@ -7894,7 +7915,7 @@
             </a:br>
             <a:r>
               <a:rPr lang="ru-RU" dirty="0"/>
-              <a:t>«Разработка приложения для прогнозирования движения рынка ценных бумаг на основе новостных статей с использованием Python;»</a:t>
+              <a:t>«Разработка приложения для прогнозирования движения рынка ценных бумаг на основе новостных статей с использованием Python»</a:t>
             </a:r>
             <a:endParaRPr lang="en-US" dirty="0"/>
           </a:p>
@@ -10238,7 +10259,15 @@
           <a:p>
             <a:r>
               <a:rPr lang="ru-RU" dirty="0"/>
-              <a:t>Входные данные – «Я, как глубокий старец, узревший вечное, прикоснувшийся к Божественному»</a:t>
+              <a:t>Входные данные – «Я, как глубокий старец, узревший вечное, прикоснувшийся к Божественному</a:t>
+            </a:r>
+            <a:r>
+              <a:rPr lang="en-US" dirty="0"/>
+              <a:t>,</a:t>
+            </a:r>
+            <a:r>
+              <a:rPr lang="ru-RU" dirty="0"/>
+              <a:t>»</a:t>
             </a:r>
           </a:p>
           <a:p>
@@ -10361,6 +10390,133 @@
     <p:extLst>
       <p:ext uri="{BB962C8B-B14F-4D97-AF65-F5344CB8AC3E}">
         <p14:creationId xmlns:p14="http://schemas.microsoft.com/office/powerpoint/2010/main" val="1826501784"/>
+      </p:ext>
+    </p:extLst>
+  </p:cSld>
+  <p:clrMapOvr>
+    <a:masterClrMapping/>
+  </p:clrMapOvr>
+</p:sld>
+</file>
+
+<file path=ppt/slides/slide9.xml><?xml version="1.0" encoding="utf-8"?>
+<p:sld xmlns:a="http://schemas.openxmlformats.org/drawingml/2006/main" xmlns:r="http://schemas.openxmlformats.org/officeDocument/2006/relationships" xmlns:p="http://schemas.openxmlformats.org/presentationml/2006/main">
+  <p:cSld>
+    <p:spTree>
+      <p:nvGrpSpPr>
+        <p:cNvPr id="1" name=""/>
+        <p:cNvGrpSpPr/>
+        <p:nvPr/>
+      </p:nvGrpSpPr>
+      <p:grpSpPr>
+        <a:xfrm>
+          <a:off x="0" y="0"/>
+          <a:ext cx="0" cy="0"/>
+          <a:chOff x="0" y="0"/>
+          <a:chExt cx="0" cy="0"/>
+        </a:xfrm>
+      </p:grpSpPr>
+      <p:sp>
+        <p:nvSpPr>
+          <p:cNvPr id="2" name="Заголовок 1">
+            <a:extLst>
+              <a:ext uri="{FF2B5EF4-FFF2-40B4-BE49-F238E27FC236}">
+                <a16:creationId xmlns:a16="http://schemas.microsoft.com/office/drawing/2014/main" id="{67FD21DA-D593-5F7B-2E2A-F80234DC1BB3}"/>
+              </a:ext>
+            </a:extLst>
+          </p:cNvPr>
+          <p:cNvSpPr>
+            <a:spLocks noGrp="1"/>
+          </p:cNvSpPr>
+          <p:nvPr>
+            <p:ph type="title"/>
+          </p:nvPr>
+        </p:nvSpPr>
+        <p:spPr/>
+        <p:txBody>
+          <a:bodyPr/>
+          <a:lstStyle/>
+          <a:p>
+            <a:r>
+              <a:rPr lang="ru-RU" dirty="0"/>
+              <a:t>Выводы</a:t>
+            </a:r>
+          </a:p>
+        </p:txBody>
+      </p:sp>
+      <p:sp>
+        <p:nvSpPr>
+          <p:cNvPr id="3" name="Объект 2">
+            <a:extLst>
+              <a:ext uri="{FF2B5EF4-FFF2-40B4-BE49-F238E27FC236}">
+                <a16:creationId xmlns:a16="http://schemas.microsoft.com/office/drawing/2014/main" id="{D4056610-F421-DF41-C781-906B3D0BDAF1}"/>
+              </a:ext>
+            </a:extLst>
+          </p:cNvPr>
+          <p:cNvSpPr>
+            <a:spLocks noGrp="1"/>
+          </p:cNvSpPr>
+          <p:nvPr>
+            <p:ph sz="half" idx="1"/>
+          </p:nvPr>
+        </p:nvSpPr>
+        <p:spPr>
+          <a:xfrm>
+            <a:off x="1115568" y="2478024"/>
+            <a:ext cx="10168128" cy="3694176"/>
+          </a:xfrm>
+        </p:spPr>
+        <p:txBody>
+          <a:bodyPr/>
+          <a:lstStyle/>
+          <a:p>
+            <a:r>
+              <a:rPr lang="ru-RU" dirty="0"/>
+              <a:t>Модель </a:t>
+            </a:r>
+            <a:r>
+              <a:rPr lang="en-US" dirty="0"/>
+              <a:t>Large </a:t>
+            </a:r>
+            <a:r>
+              <a:rPr lang="ru-RU" dirty="0"/>
+              <a:t>стабильно генерирует связанный по смыслу текст</a:t>
+            </a:r>
+          </a:p>
+          <a:p>
+            <a:r>
+              <a:rPr lang="ru-RU" dirty="0"/>
+              <a:t>Модель </a:t>
+            </a:r>
+            <a:r>
+              <a:rPr lang="en-US" dirty="0"/>
+              <a:t>Medium </a:t>
+            </a:r>
+            <a:r>
+              <a:rPr lang="ru-RU" dirty="0"/>
+              <a:t>заметно хуже справляется с абстрактными затравками</a:t>
+            </a:r>
+          </a:p>
+          <a:p>
+            <a:r>
+              <a:rPr lang="ru-RU" dirty="0"/>
+              <a:t>Модель </a:t>
+            </a:r>
+            <a:r>
+              <a:rPr lang="en-US" dirty="0"/>
+              <a:t>Small </a:t>
+            </a:r>
+            <a:r>
+              <a:rPr lang="ru-RU" dirty="0"/>
+              <a:t>очень нестабильна, смысл чаще всего не сохраняется, иногда генерирует ссылки на несуществующие разделы сайтов	</a:t>
+            </a:r>
+          </a:p>
+        </p:txBody>
+      </p:sp>
+    </p:spTree>
+    <p:extLst>
+      <p:ext uri="{BB962C8B-B14F-4D97-AF65-F5344CB8AC3E}">
+        <p14:creationId xmlns:p14="http://schemas.microsoft.com/office/powerpoint/2010/main" val="1656872047"/>
       </p:ext>
     </p:extLst>
   </p:cSld>
